--- a/Prezentacie/5. Zlozene podmienky.pptx
+++ b/Prezentacie/5. Zlozene podmienky.pptx
@@ -3874,7 +3874,7 @@
         <p:spPr/>
         <p:txBody>
           <a:bodyPr>
-            <a:normAutofit fontScale="90000"/>
+            <a:normAutofit/>
           </a:bodyPr>
           <a:lstStyle/>
           <a:p>
@@ -3896,7 +3896,7 @@
                   </a:schemeClr>
                 </a:solidFill>
               </a:rPr>
-              <a:t>Vysvetlenie pojmov – Vnorené podmienky</a:t>
+              <a:t>Syntax – Vnorené podmienky</a:t>
             </a:r>
             <a:endParaRPr lang="en-US" sz="5400" b="1" dirty="0">
               <a:ln w="22225">
@@ -4244,7 +4244,7 @@
             </a:fld>
             <a:r>
               <a:rPr lang="sk-SK" sz="1600" dirty="0"/>
-              <a:t> /12</a:t>
+              <a:t> / 12</a:t>
             </a:r>
             <a:endParaRPr lang="en-US" sz="1600" dirty="0"/>
           </a:p>
@@ -4414,7 +4414,7 @@
             </a:fld>
             <a:r>
               <a:rPr lang="sk-SK" sz="1600" dirty="0"/>
-              <a:t> /12</a:t>
+              <a:t> / 12</a:t>
             </a:r>
             <a:endParaRPr lang="en-US" sz="1600" dirty="0"/>
           </a:p>
@@ -4584,7 +4584,7 @@
             </a:fld>
             <a:r>
               <a:rPr lang="sk-SK" sz="1600" dirty="0"/>
-              <a:t> /12</a:t>
+              <a:t> / 12</a:t>
             </a:r>
           </a:p>
         </p:txBody>
@@ -4862,7 +4862,7 @@
             </a:fld>
             <a:r>
               <a:rPr lang="sk-SK" sz="1600" dirty="0"/>
-              <a:t> /12</a:t>
+              <a:t> / 12</a:t>
             </a:r>
             <a:endParaRPr lang="en-US" sz="1600" dirty="0"/>
           </a:p>
@@ -4884,7 +4884,7 @@
         </p:nvSpPr>
         <p:spPr>
           <a:xfrm>
-            <a:off x="838200" y="4127500"/>
+            <a:off x="838200" y="3899218"/>
             <a:ext cx="10515600" cy="944880"/>
           </a:xfrm>
           <a:prstGeom prst="rect">
@@ -5898,7 +5898,7 @@
             </a:fld>
             <a:r>
               <a:rPr lang="sk-SK" sz="1600" dirty="0"/>
-              <a:t> /12</a:t>
+              <a:t> / 12</a:t>
             </a:r>
             <a:endParaRPr lang="en-US" sz="1600" dirty="0"/>
           </a:p>
@@ -6140,7 +6140,7 @@
             </a:fld>
             <a:r>
               <a:rPr lang="sk-SK" sz="1600" dirty="0"/>
-              <a:t> /12</a:t>
+              <a:t> / 12</a:t>
             </a:r>
             <a:endParaRPr lang="en-US" sz="1600" dirty="0"/>
           </a:p>
@@ -7051,7 +7051,7 @@
             </a:fld>
             <a:r>
               <a:rPr lang="sk-SK" sz="1600" dirty="0"/>
-              <a:t> /12</a:t>
+              <a:t> / 12</a:t>
             </a:r>
             <a:endParaRPr lang="en-US" sz="1600" dirty="0"/>
           </a:p>
@@ -7382,7 +7382,31 @@
                   <a:srgbClr val="0070C0"/>
                 </a:solidFill>
               </a:rPr>
-              <a:t> operatory</a:t>
+              <a:t> </a:t>
+            </a:r>
+            <a:r>
+              <a:rPr lang="en-US" dirty="0" err="1">
+                <a:solidFill>
+                  <a:srgbClr val="0070C0"/>
+                </a:solidFill>
+              </a:rPr>
+              <a:t>oper</a:t>
+            </a:r>
+            <a:r>
+              <a:rPr lang="sk-SK" dirty="0">
+                <a:solidFill>
+                  <a:srgbClr val="0070C0"/>
+                </a:solidFill>
+              </a:rPr>
+              <a:t>á</a:t>
+            </a:r>
+            <a:r>
+              <a:rPr lang="en-US" dirty="0">
+                <a:solidFill>
+                  <a:srgbClr val="0070C0"/>
+                </a:solidFill>
+              </a:rPr>
+              <a:t>tory</a:t>
             </a:r>
             <a:endParaRPr lang="sk-SK" dirty="0">
               <a:solidFill>
@@ -7957,7 +7981,7 @@
                   </a:schemeClr>
                 </a:solidFill>
               </a:rPr>
-              <a:t>Príklady – Zložené podmienky</a:t>
+              <a:t>Syntax – Zložené podmienky</a:t>
             </a:r>
             <a:endParaRPr lang="en-US" sz="5400" b="1" dirty="0">
               <a:ln w="22225">
@@ -8353,7 +8377,7 @@
             </a:fld>
             <a:r>
               <a:rPr lang="sk-SK" sz="1600" dirty="0"/>
-              <a:t> /12</a:t>
+              <a:t> / 12</a:t>
             </a:r>
             <a:endParaRPr lang="en-US" sz="1600" dirty="0"/>
           </a:p>
@@ -8871,12 +8895,20 @@
               <a:buNone/>
             </a:pPr>
             <a:r>
-              <a:rPr lang="en-US" dirty="0">
-                <a:solidFill>
-                  <a:srgbClr val="0070C0"/>
-                </a:solidFill>
-              </a:rPr>
-              <a:t>not - </a:t>
+              <a:rPr lang="en-US" b="1" dirty="0">
+                <a:solidFill>
+                  <a:srgbClr val="0070C0"/>
+                </a:solidFill>
+              </a:rPr>
+              <a:t>not</a:t>
+            </a:r>
+            <a:r>
+              <a:rPr lang="en-US" dirty="0">
+                <a:solidFill>
+                  <a:srgbClr val="0070C0"/>
+                </a:solidFill>
+              </a:rPr>
+              <a:t> - </a:t>
             </a:r>
             <a:r>
               <a:rPr lang="en-US" dirty="0" err="1">
@@ -9439,7 +9471,7 @@
             </a:fld>
             <a:r>
               <a:rPr lang="sk-SK" sz="1600" dirty="0"/>
-              <a:t> /12</a:t>
+              <a:t> / 12</a:t>
             </a:r>
             <a:endParaRPr lang="en-US" sz="1600" dirty="0"/>
           </a:p>
@@ -9609,7 +9641,7 @@
             </a:fld>
             <a:r>
               <a:rPr lang="sk-SK" sz="1600" dirty="0"/>
-              <a:t> /12</a:t>
+              <a:t> / 12</a:t>
             </a:r>
             <a:endParaRPr lang="en-US" sz="1600" dirty="0"/>
           </a:p>
